--- a/1/1.1 Linux 内核.pptx
+++ b/1/1.1 Linux 内核.pptx
@@ -5377,12 +5377,12 @@
               <a:buChar char="u"/>
             </a:pPr>
             <a:r>
-              <a:rPr lang="en-US" altLang="zh-CN" dirty="0"/>
+              <a:rPr lang="en-US" altLang="zh-CN" dirty="0" smtClean="0"/>
               <a:t>2001</a:t>
             </a:r>
             <a:r>
-              <a:rPr lang="zh-CN" altLang="en-US" dirty="0" smtClean="0"/>
-              <a:t>月，</a:t>
+              <a:rPr lang="zh-CN" altLang="en-US"/>
+              <a:t>年，</a:t>
             </a:r>
             <a:r>
               <a:rPr lang="en-US" altLang="zh-CN" dirty="0">

--- a/1/1.1 Linux 内核.pptx
+++ b/1/1.1 Linux 内核.pptx
@@ -3238,6 +3238,78 @@
               <a:t>》</a:t>
             </a:r>
             <a:endParaRPr lang="zh-CN" altLang="en-US" dirty="0"/>
+          </a:p>
+        </p:txBody>
+      </p:sp>
+      <p:sp>
+        <p:nvSpPr>
+          <p:cNvPr id="4" name="文本框 3"/>
+          <p:cNvSpPr txBox="1"/>
+          <p:nvPr/>
+        </p:nvSpPr>
+        <p:spPr>
+          <a:xfrm>
+            <a:off x="1634679" y="4941962"/>
+            <a:ext cx="2100575" cy="830997"/>
+          </a:xfrm>
+          <a:prstGeom prst="rect">
+            <a:avLst/>
+          </a:prstGeom>
+          <a:noFill/>
+        </p:spPr>
+        <p:txBody>
+          <a:bodyPr wrap="none" rtlCol="0">
+            <a:spAutoFit/>
+          </a:bodyPr>
+          <a:lstStyle/>
+          <a:p>
+            <a:r>
+              <a:rPr lang="en-US" altLang="zh-CN" dirty="0" smtClean="0"/>
+              <a:t>《CentOS </a:t>
+            </a:r>
+            <a:r>
+              <a:rPr lang="zh-CN" altLang="en-US" dirty="0" smtClean="0"/>
+              <a:t>人</a:t>
+            </a:r>
+            <a:r>
+              <a:rPr lang="en-US" altLang="zh-CN" dirty="0" smtClean="0"/>
+              <a:t>》</a:t>
+            </a:r>
+          </a:p>
+          <a:p>
+            <a:r>
+              <a:rPr lang="zh-CN" altLang="en-US" dirty="0" smtClean="0"/>
+              <a:t>讲师：徐学云</a:t>
+            </a:r>
+            <a:endParaRPr lang="zh-CN" altLang="en-US" dirty="0"/>
+          </a:p>
+        </p:txBody>
+      </p:sp>
+      <p:sp>
+        <p:nvSpPr>
+          <p:cNvPr id="3" name="矩形 2"/>
+          <p:cNvSpPr/>
+          <p:nvPr/>
+        </p:nvSpPr>
+        <p:spPr>
+          <a:xfrm>
+            <a:off x="1667137" y="5950074"/>
+            <a:ext cx="4942122" cy="461665"/>
+          </a:xfrm>
+          <a:prstGeom prst="rect">
+            <a:avLst/>
+          </a:prstGeom>
+        </p:spPr>
+        <p:txBody>
+          <a:bodyPr wrap="none">
+            <a:spAutoFit/>
+          </a:bodyPr>
+          <a:lstStyle/>
+          <a:p>
+            <a:r>
+              <a:rPr lang="zh-CN" altLang="en-US" dirty="0"/>
+              <a:t>https://github.com/centos-ren/centos</a:t>
+            </a:r>
           </a:p>
         </p:txBody>
       </p:sp>
